--- a/output.pptx
+++ b/output.pptx
@@ -3835,7 +3835,7 @@
           <a:lstStyle/>
           <a:p>
             <a:r>
-              <a:t>There's nothing to say.</a:t>
+              <a:t>Nothing much to say.</a:t>
             </a:r>
             <a:endParaRPr lang="en-MY" dirty="0"/>
           </a:p>
@@ -3908,7 +3908,7 @@
           <a:lstStyle/>
           <a:p>
             <a:r>
-              <a:t>If cats were to conquer the world, what would they use as their weapons?</a:t>
+              <a:t>If cats were to take over the world, what would they use as weapons?</a:t>
             </a:r>
             <a:endParaRPr lang="en-MY" sz="3300" dirty="0"/>
           </a:p>
@@ -4368,7 +4368,7 @@
               <a:buAutoNum type="arabicPeriod"/>
             </a:pPr>
             <a:r>
-              <a:t>The Art of War by Sunzi</a:t>
+              <a:t>The Art of War by Sun Tzu</a:t>
             </a:r>
             <a:endParaRPr lang="en-MY" altLang="zh-CN" sz="2000" dirty="0"/>
           </a:p>
@@ -4378,7 +4378,7 @@
               <a:buAutoNum type="arabicPeriod"/>
             </a:pPr>
             <a:r>
-              <a:t>Lovely exterior</a:t>
+              <a:t>Adorable appearance</a:t>
             </a:r>
             <a:endParaRPr lang="en-MY" altLang="zh-CN" sz="2000" dirty="0"/>
           </a:p>

--- a/output.pptx
+++ b/output.pptx
@@ -198,7 +198,7 @@
           <a:p>
             <a:fld id="{35566EA9-F6E4-4DE7-B092-9F710DB1BA06}" type="datetimeFigureOut">
               <a:rPr lang="en-MY" smtClean="0"/>
-              <a:t>27/6/2024</a:t>
+              <a:t>2/7/2024</a:t>
             </a:fld>
             <a:endParaRPr lang="en-MY"/>
           </a:p>
@@ -699,7 +699,7 @@
           <a:p>
             <a:fld id="{46F5D863-C35B-4EA0-8930-BC442A6E9175}" type="datetimeFigureOut">
               <a:rPr lang="en-MY" smtClean="0"/>
-              <a:t>27/6/2024</a:t>
+              <a:t>2/7/2024</a:t>
             </a:fld>
             <a:endParaRPr lang="en-MY"/>
           </a:p>
@@ -899,7 +899,7 @@
           <a:p>
             <a:fld id="{46F5D863-C35B-4EA0-8930-BC442A6E9175}" type="datetimeFigureOut">
               <a:rPr lang="en-MY" smtClean="0"/>
-              <a:t>27/6/2024</a:t>
+              <a:t>2/7/2024</a:t>
             </a:fld>
             <a:endParaRPr lang="en-MY"/>
           </a:p>
@@ -1109,7 +1109,7 @@
           <a:p>
             <a:fld id="{46F5D863-C35B-4EA0-8930-BC442A6E9175}" type="datetimeFigureOut">
               <a:rPr lang="en-MY" smtClean="0"/>
-              <a:t>27/6/2024</a:t>
+              <a:t>2/7/2024</a:t>
             </a:fld>
             <a:endParaRPr lang="en-MY"/>
           </a:p>
@@ -1309,7 +1309,7 @@
           <a:p>
             <a:fld id="{46F5D863-C35B-4EA0-8930-BC442A6E9175}" type="datetimeFigureOut">
               <a:rPr lang="en-MY" smtClean="0"/>
-              <a:t>27/6/2024</a:t>
+              <a:t>2/7/2024</a:t>
             </a:fld>
             <a:endParaRPr lang="en-MY"/>
           </a:p>
@@ -1585,7 +1585,7 @@
           <a:p>
             <a:fld id="{46F5D863-C35B-4EA0-8930-BC442A6E9175}" type="datetimeFigureOut">
               <a:rPr lang="en-MY" smtClean="0"/>
-              <a:t>27/6/2024</a:t>
+              <a:t>2/7/2024</a:t>
             </a:fld>
             <a:endParaRPr lang="en-MY"/>
           </a:p>
@@ -1853,7 +1853,7 @@
           <a:p>
             <a:fld id="{46F5D863-C35B-4EA0-8930-BC442A6E9175}" type="datetimeFigureOut">
               <a:rPr lang="en-MY" smtClean="0"/>
-              <a:t>27/6/2024</a:t>
+              <a:t>2/7/2024</a:t>
             </a:fld>
             <a:endParaRPr lang="en-MY"/>
           </a:p>
@@ -2268,7 +2268,7 @@
           <a:p>
             <a:fld id="{46F5D863-C35B-4EA0-8930-BC442A6E9175}" type="datetimeFigureOut">
               <a:rPr lang="en-MY" smtClean="0"/>
-              <a:t>27/6/2024</a:t>
+              <a:t>2/7/2024</a:t>
             </a:fld>
             <a:endParaRPr lang="en-MY"/>
           </a:p>
@@ -2410,7 +2410,7 @@
           <a:p>
             <a:fld id="{46F5D863-C35B-4EA0-8930-BC442A6E9175}" type="datetimeFigureOut">
               <a:rPr lang="en-MY" smtClean="0"/>
-              <a:t>27/6/2024</a:t>
+              <a:t>2/7/2024</a:t>
             </a:fld>
             <a:endParaRPr lang="en-MY"/>
           </a:p>
@@ -2523,7 +2523,7 @@
           <a:p>
             <a:fld id="{46F5D863-C35B-4EA0-8930-BC442A6E9175}" type="datetimeFigureOut">
               <a:rPr lang="en-MY" smtClean="0"/>
-              <a:t>27/6/2024</a:t>
+              <a:t>2/7/2024</a:t>
             </a:fld>
             <a:endParaRPr lang="en-MY"/>
           </a:p>
@@ -2836,7 +2836,7 @@
           <a:p>
             <a:fld id="{46F5D863-C35B-4EA0-8930-BC442A6E9175}" type="datetimeFigureOut">
               <a:rPr lang="en-MY" smtClean="0"/>
-              <a:t>27/6/2024</a:t>
+              <a:t>2/7/2024</a:t>
             </a:fld>
             <a:endParaRPr lang="en-MY"/>
           </a:p>
@@ -3125,7 +3125,7 @@
           <a:p>
             <a:fld id="{46F5D863-C35B-4EA0-8930-BC442A6E9175}" type="datetimeFigureOut">
               <a:rPr lang="en-MY" smtClean="0"/>
-              <a:t>27/6/2024</a:t>
+              <a:t>2/7/2024</a:t>
             </a:fld>
             <a:endParaRPr lang="en-MY"/>
           </a:p>
@@ -3368,7 +3368,7 @@
           <a:p>
             <a:fld id="{46F5D863-C35B-4EA0-8930-BC442A6E9175}" type="datetimeFigureOut">
               <a:rPr lang="en-MY" smtClean="0"/>
-              <a:t>27/6/2024</a:t>
+              <a:t>2/7/2024</a:t>
             </a:fld>
             <a:endParaRPr lang="en-MY"/>
           </a:p>
@@ -3803,13 +3803,20 @@
         </p:nvSpPr>
         <p:spPr/>
         <p:txBody>
-          <a:bodyPr/>
-          <a:lstStyle/>
-          <a:p>
-            <a:r>
+          <a:bodyPr wrap="square">
+            <a:noAutofit/>
+          </a:bodyPr>
+          <a:lstStyle/>
+          <a:p>
+            <a:r>
+              <a:rPr sz="1800" b="0" i="0">
+                <a:latin typeface="Calibri"/>
+              </a:rPr>
               <a:t>An example</a:t>
             </a:r>
-            <a:endParaRPr lang="en-MY" dirty="0"/>
+            <a:endParaRPr lang="en-MY" dirty="0" sz="1800" b="0" i="0">
+              <a:latin typeface="Calibri"/>
+            </a:endParaRPr>
           </a:p>
         </p:txBody>
       </p:sp>
@@ -3831,13 +3838,20 @@
         </p:nvSpPr>
         <p:spPr/>
         <p:txBody>
-          <a:bodyPr/>
-          <a:lstStyle/>
-          <a:p>
-            <a:r>
-              <a:t>Nothing much to say.</a:t>
-            </a:r>
-            <a:endParaRPr lang="en-MY" dirty="0"/>
+          <a:bodyPr wrap="square">
+            <a:noAutofit/>
+          </a:bodyPr>
+          <a:lstStyle/>
+          <a:p>
+            <a:r>
+              <a:rPr sz="1800" b="0" i="0">
+                <a:latin typeface="Calibri"/>
+              </a:rPr>
+              <a:t>There's nothing much to say.</a:t>
+            </a:r>
+            <a:endParaRPr lang="en-MY" dirty="0" sz="1800" b="0" i="0">
+              <a:latin typeface="Calibri"/>
+            </a:endParaRPr>
           </a:p>
         </p:txBody>
       </p:sp>
@@ -3902,15 +3916,20 @@
           </a:xfrm>
         </p:spPr>
         <p:txBody>
-          <a:bodyPr>
-            <a:normAutofit/>
+          <a:bodyPr wrap="square">
+            <a:noAutofit/>
           </a:bodyPr>
           <a:lstStyle/>
           <a:p>
             <a:r>
-              <a:t>If cats were to take over the world, what would they use as weapons?</a:t>
-            </a:r>
-            <a:endParaRPr lang="en-MY" sz="3300" dirty="0"/>
+              <a:rPr sz="1800" b="0" i="0">
+                <a:latin typeface="Calibri"/>
+              </a:rPr>
+              <a:t>If cats want to take over the world, what weapons would they use?</a:t>
+            </a:r>
+            <a:endParaRPr lang="en-MY" sz="1800" dirty="0" b="0" i="0">
+              <a:latin typeface="Calibri"/>
+            </a:endParaRPr>
           </a:p>
         </p:txBody>
       </p:sp>
@@ -4328,8 +4347,8 @@
           </a:xfrm>
         </p:spPr>
         <p:txBody>
-          <a:bodyPr>
-            <a:normAutofit/>
+          <a:bodyPr wrap="square">
+            <a:noAutofit/>
           </a:bodyPr>
           <a:lstStyle/>
           <a:p>
@@ -4338,9 +4357,14 @@
               <a:buAutoNum type="arabicPeriod"/>
             </a:pPr>
             <a:r>
+              <a:rPr sz="1800" b="0" i="0">
+                <a:latin typeface="Calibri"/>
+              </a:rPr>
               <a:t>Knife</a:t>
             </a:r>
-            <a:endParaRPr lang="en-MY" altLang="zh-CN" sz="2000" dirty="0"/>
+            <a:endParaRPr lang="en-MY" altLang="zh-CN" sz="1800" dirty="0" b="0" i="0">
+              <a:latin typeface="Calibri"/>
+            </a:endParaRPr>
           </a:p>
           <a:p>
             <a:pPr marL="514350" indent="-514350">
@@ -4348,9 +4372,14 @@
               <a:buAutoNum type="arabicPeriod"/>
             </a:pPr>
             <a:r>
+              <a:rPr sz="1800" b="0" i="0">
+                <a:latin typeface="Calibri"/>
+              </a:rPr>
               <a:t>Gun</a:t>
             </a:r>
-            <a:endParaRPr lang="en-MY" altLang="zh-CN" sz="2000" dirty="0"/>
+            <a:endParaRPr lang="en-MY" altLang="zh-CN" sz="1800" dirty="0" b="0" i="0">
+              <a:latin typeface="Calibri"/>
+            </a:endParaRPr>
           </a:p>
           <a:p>
             <a:pPr marL="514350" indent="-514350">
@@ -4358,9 +4387,14 @@
               <a:buAutoNum type="arabicPeriod"/>
             </a:pPr>
             <a:r>
+              <a:rPr sz="1800" b="0" i="0">
+                <a:latin typeface="Calibri"/>
+              </a:rPr>
               <a:t>Tank</a:t>
             </a:r>
-            <a:endParaRPr lang="en-MY" altLang="zh-CN" sz="2000" dirty="0"/>
+            <a:endParaRPr lang="en-MY" altLang="zh-CN" sz="1800" dirty="0" b="0" i="0">
+              <a:latin typeface="Calibri"/>
+            </a:endParaRPr>
           </a:p>
           <a:p>
             <a:pPr marL="514350" indent="-514350">
@@ -4368,9 +4402,14 @@
               <a:buAutoNum type="arabicPeriod"/>
             </a:pPr>
             <a:r>
-              <a:t>The Art of War by Sun Tzu</a:t>
-            </a:r>
-            <a:endParaRPr lang="en-MY" altLang="zh-CN" sz="2000" dirty="0"/>
+              <a:rPr sz="1800" b="0" i="0">
+                <a:latin typeface="Calibri"/>
+              </a:rPr>
+              <a:t>The Art of War</a:t>
+            </a:r>
+            <a:endParaRPr lang="en-MY" altLang="zh-CN" sz="1800" dirty="0" b="0" i="0">
+              <a:latin typeface="Calibri"/>
+            </a:endParaRPr>
           </a:p>
           <a:p>
             <a:pPr marL="514350" indent="-514350">
@@ -4378,40 +4417,49 @@
               <a:buAutoNum type="arabicPeriod"/>
             </a:pPr>
             <a:r>
+              <a:rPr sz="1800" b="0" i="0">
+                <a:latin typeface="Calibri"/>
+              </a:rPr>
               <a:t>Adorable appearance</a:t>
             </a:r>
-            <a:endParaRPr lang="en-MY" altLang="zh-CN" sz="2000" dirty="0"/>
+            <a:endParaRPr lang="en-MY" altLang="zh-CN" sz="1800" dirty="0" b="0" i="0">
+              <a:latin typeface="Calibri"/>
+            </a:endParaRPr>
           </a:p>
           <a:p>
             <a:pPr marL="0" indent="0">
               <a:buNone/>
             </a:pPr>
-            <a:endParaRPr lang="en-MY" sz="2000" dirty="0"/>
+            <a:endParaRPr lang="en-MY" sz="1800" dirty="0" b="0" i="0">
+              <a:latin typeface="Calibri"/>
+            </a:endParaRPr>
           </a:p>
           <a:p>
             <a:pPr marL="0" indent="0">
               <a:buNone/>
             </a:pPr>
             <a:r>
-              <a:rPr lang="en-MY" sz="2000" b="0" i="0" dirty="0">
+              <a:rPr lang="en-MY" sz="1800" b="0" i="0" dirty="0">
                 <a:effectLst/>
                 <a:highlight>
                   <a:srgbClr val="FFFFFF"/>
                 </a:highlight>
-                <a:latin typeface="Google Sans"/>
+                <a:latin typeface="Calibri"/>
               </a:rPr>
               <a:t>🤔</a:t>
             </a:r>
             <a:r>
-              <a:rPr lang="en-MY" sz="2000" dirty="0">
+              <a:rPr lang="en-MY" sz="1800" dirty="0" b="0" i="0">
                 <a:highlight>
                   <a:srgbClr val="FFFFFF"/>
                 </a:highlight>
-                <a:latin typeface="Google Sans"/>
+                <a:latin typeface="Calibri"/>
               </a:rPr>
               <a:t>…</a:t>
             </a:r>
-            <a:endParaRPr lang="en-MY" sz="2000" dirty="0"/>
+            <a:endParaRPr lang="en-MY" sz="1800" dirty="0" b="0" i="0">
+              <a:latin typeface="Calibri"/>
+            </a:endParaRPr>
           </a:p>
         </p:txBody>
       </p:sp>
